--- a/slides/final_presentation/conclusions2.pptx
+++ b/slides/final_presentation/conclusions2.pptx
@@ -10,10 +10,10 @@
   <p:sldIdLst>
     <p:sldId id="256" r:id="rId2"/>
     <p:sldId id="1148" r:id="rId3"/>
-    <p:sldId id="1159" r:id="rId4"/>
-    <p:sldId id="1160" r:id="rId5"/>
-    <p:sldId id="1150" r:id="rId6"/>
-    <p:sldId id="260" r:id="rId7"/>
+    <p:sldId id="260" r:id="rId4"/>
+    <p:sldId id="1159" r:id="rId5"/>
+    <p:sldId id="1160" r:id="rId6"/>
+    <p:sldId id="1150" r:id="rId7"/>
     <p:sldId id="1149" r:id="rId8"/>
     <p:sldId id="1136" r:id="rId9"/>
   </p:sldIdLst>
@@ -114,6 +114,11 @@
       </a:defRPr>
     </a:lvl9pPr>
   </p:defaultTextStyle>
+  <p:extLst>
+    <p:ext uri="{EFAFB233-063F-42B5-8137-9DF3F51BA10A}">
+      <p15:sldGuideLst xmlns:p15="http://schemas.microsoft.com/office/powerpoint/2012/main"/>
+    </p:ext>
+  </p:extLst>
 </p:presentation>
 </file>
 
@@ -4130,6 +4135,312 @@
           <a:chExt cx="0" cy="0"/>
         </a:xfrm>
       </p:grpSpPr>
+      <p:sp>
+        <p:nvSpPr>
+          <p:cNvPr id="2" name="Title 1">
+            <a:extLst>
+              <a:ext uri="{FF2B5EF4-FFF2-40B4-BE49-F238E27FC236}">
+                <a16:creationId xmlns:a16="http://schemas.microsoft.com/office/drawing/2014/main" id="{D70BB6FE-00A2-2EED-2ACB-26AAB003B7CC}"/>
+              </a:ext>
+            </a:extLst>
+          </p:cNvPr>
+          <p:cNvSpPr>
+            <a:spLocks noGrp="1"/>
+          </p:cNvSpPr>
+          <p:nvPr>
+            <p:ph type="title"/>
+          </p:nvPr>
+        </p:nvSpPr>
+        <p:spPr/>
+        <p:txBody>
+          <a:bodyPr>
+            <a:normAutofit fontScale="90000"/>
+          </a:bodyPr>
+          <a:lstStyle/>
+          <a:p>
+            <a:r>
+              <a:rPr lang="en-US" sz="6000" dirty="0"/>
+              <a:t>Better Together:</a:t>
+            </a:r>
+            <a:br>
+              <a:rPr lang="en-US" dirty="0"/>
+            </a:br>
+            <a:r>
+              <a:rPr lang="en-US" dirty="0"/>
+              <a:t>Text (Titles, Abstracts, Body); Context (Citations)</a:t>
+            </a:r>
+          </a:p>
+        </p:txBody>
+      </p:sp>
+      <p:pic>
+        <p:nvPicPr>
+          <p:cNvPr id="5" name="Content Placeholder 4" descr="A picture containing text, screenshot&#10;&#10;Description automatically generated">
+            <a:extLst>
+              <a:ext uri="{FF2B5EF4-FFF2-40B4-BE49-F238E27FC236}">
+                <a16:creationId xmlns:a16="http://schemas.microsoft.com/office/drawing/2014/main" id="{569A0BF9-7E0A-BD1F-883F-22756708D514}"/>
+              </a:ext>
+            </a:extLst>
+          </p:cNvPr>
+          <p:cNvPicPr>
+            <a:picLocks noGrp="1" noChangeAspect="1"/>
+          </p:cNvPicPr>
+          <p:nvPr>
+            <p:ph idx="1"/>
+          </p:nvPr>
+        </p:nvPicPr>
+        <p:blipFill>
+          <a:blip r:embed="rId2"/>
+          <a:stretch>
+            <a:fillRect/>
+          </a:stretch>
+        </p:blipFill>
+        <p:spPr>
+          <a:xfrm>
+            <a:off x="1224393" y="1825625"/>
+            <a:ext cx="9743213" cy="4351338"/>
+          </a:xfrm>
+        </p:spPr>
+      </p:pic>
+      <p:sp>
+        <p:nvSpPr>
+          <p:cNvPr id="6" name="Date Placeholder 5">
+            <a:extLst>
+              <a:ext uri="{FF2B5EF4-FFF2-40B4-BE49-F238E27FC236}">
+                <a16:creationId xmlns:a16="http://schemas.microsoft.com/office/drawing/2014/main" id="{E6021C20-D7D5-98F6-F372-7549C03C7862}"/>
+              </a:ext>
+            </a:extLst>
+          </p:cNvPr>
+          <p:cNvSpPr>
+            <a:spLocks noGrp="1"/>
+          </p:cNvSpPr>
+          <p:nvPr>
+            <p:ph type="dt" sz="half" idx="10"/>
+          </p:nvPr>
+        </p:nvSpPr>
+        <p:spPr/>
+        <p:txBody>
+          <a:bodyPr/>
+          <a:lstStyle/>
+          <a:p>
+            <a:r>
+              <a:rPr lang="en-US"/>
+              <a:t>Aug 3, 2023</a:t>
+            </a:r>
+          </a:p>
+        </p:txBody>
+      </p:sp>
+      <p:sp>
+        <p:nvSpPr>
+          <p:cNvPr id="7" name="Slide Number Placeholder 6">
+            <a:extLst>
+              <a:ext uri="{FF2B5EF4-FFF2-40B4-BE49-F238E27FC236}">
+                <a16:creationId xmlns:a16="http://schemas.microsoft.com/office/drawing/2014/main" id="{344477A1-06C8-D542-F94E-8F11E4CC9FA5}"/>
+              </a:ext>
+            </a:extLst>
+          </p:cNvPr>
+          <p:cNvSpPr>
+            <a:spLocks noGrp="1"/>
+          </p:cNvSpPr>
+          <p:nvPr>
+            <p:ph type="sldNum" sz="quarter" idx="12"/>
+          </p:nvPr>
+        </p:nvSpPr>
+        <p:spPr/>
+        <p:txBody>
+          <a:bodyPr/>
+          <a:lstStyle/>
+          <a:p>
+            <a:fld id="{A368AD35-EA55-254F-AD80-EFD99CF0F10B}" type="slidenum">
+              <a:rPr lang="en-US" smtClean="0"/>
+              <a:t>3</a:t>
+            </a:fld>
+            <a:endParaRPr lang="en-US"/>
+          </a:p>
+        </p:txBody>
+      </p:sp>
+      <p:sp>
+        <p:nvSpPr>
+          <p:cNvPr id="3" name="Google Shape;192;p14">
+            <a:extLst>
+              <a:ext uri="{FF2B5EF4-FFF2-40B4-BE49-F238E27FC236}">
+                <a16:creationId xmlns:a16="http://schemas.microsoft.com/office/drawing/2014/main" id="{ED46BE33-B7CB-DFF8-D4FD-9A1C26716476}"/>
+              </a:ext>
+            </a:extLst>
+          </p:cNvPr>
+          <p:cNvSpPr/>
+          <p:nvPr/>
+        </p:nvSpPr>
+        <p:spPr>
+          <a:xfrm>
+            <a:off x="904461" y="6015831"/>
+            <a:ext cx="2610677" cy="681037"/>
+          </a:xfrm>
+          <a:prstGeom prst="wedgeRoundRectCallout">
+            <a:avLst>
+              <a:gd name="adj1" fmla="val -8116"/>
+              <a:gd name="adj2" fmla="val -108897"/>
+              <a:gd name="adj3" fmla="val 16667"/>
+            </a:avLst>
+          </a:prstGeom>
+          <a:solidFill>
+            <a:schemeClr val="accent1"/>
+          </a:solidFill>
+          <a:ln w="25400" cap="flat" cmpd="sng">
+            <a:solidFill>
+              <a:srgbClr val="102848"/>
+            </a:solidFill>
+            <a:prstDash val="solid"/>
+            <a:round/>
+            <a:headEnd type="none" w="sm" len="sm"/>
+            <a:tailEnd type="none" w="sm" len="sm"/>
+          </a:ln>
+        </p:spPr>
+        <p:txBody>
+          <a:bodyPr spcFirstLastPara="1" wrap="square" lIns="91425" tIns="45700" rIns="91425" bIns="45700" anchor="ctr" anchorCtr="0">
+            <a:noAutofit/>
+          </a:bodyPr>
+          <a:lstStyle/>
+          <a:p>
+            <a:pPr marL="0" marR="0" lvl="0" indent="0" algn="ctr" rtl="0">
+              <a:lnSpc>
+                <a:spcPct val="100000"/>
+              </a:lnSpc>
+              <a:spcBef>
+                <a:spcPts val="0"/>
+              </a:spcBef>
+              <a:spcAft>
+                <a:spcPts val="0"/>
+              </a:spcAft>
+              <a:buNone/>
+            </a:pPr>
+            <a:r>
+              <a:rPr lang="en-US" sz="2400" b="0" i="0" u="none" strike="noStrike" cap="none" dirty="0">
+                <a:solidFill>
+                  <a:schemeClr val="lt1"/>
+                </a:solidFill>
+                <a:latin typeface="Arial"/>
+                <a:ea typeface="Arial"/>
+                <a:cs typeface="Arial"/>
+                <a:sym typeface="Arial"/>
+              </a:rPr>
+              <a:t>Specter, </a:t>
+            </a:r>
+            <a:r>
+              <a:rPr lang="en-US" sz="2400" dirty="0" err="1">
+                <a:solidFill>
+                  <a:schemeClr val="lt1"/>
+                </a:solidFill>
+                <a:latin typeface="Arial"/>
+                <a:cs typeface="Arial"/>
+                <a:sym typeface="Arial"/>
+              </a:rPr>
+              <a:t>SciNCL</a:t>
+            </a:r>
+            <a:endParaRPr sz="2400" dirty="0"/>
+          </a:p>
+        </p:txBody>
+      </p:sp>
+      <p:sp>
+        <p:nvSpPr>
+          <p:cNvPr id="4" name="Google Shape;192;p14">
+            <a:extLst>
+              <a:ext uri="{FF2B5EF4-FFF2-40B4-BE49-F238E27FC236}">
+                <a16:creationId xmlns:a16="http://schemas.microsoft.com/office/drawing/2014/main" id="{558819C9-A622-E2DB-2A67-EC2B4AA0E0EE}"/>
+              </a:ext>
+            </a:extLst>
+          </p:cNvPr>
+          <p:cNvSpPr/>
+          <p:nvPr/>
+        </p:nvSpPr>
+        <p:spPr>
+          <a:xfrm>
+            <a:off x="3901332" y="6015830"/>
+            <a:ext cx="1666462" cy="681037"/>
+          </a:xfrm>
+          <a:prstGeom prst="wedgeRoundRectCallout">
+            <a:avLst>
+              <a:gd name="adj1" fmla="val -8116"/>
+              <a:gd name="adj2" fmla="val -108897"/>
+              <a:gd name="adj3" fmla="val 16667"/>
+            </a:avLst>
+          </a:prstGeom>
+          <a:solidFill>
+            <a:schemeClr val="accent1"/>
+          </a:solidFill>
+          <a:ln w="25400" cap="flat" cmpd="sng">
+            <a:solidFill>
+              <a:srgbClr val="102848"/>
+            </a:solidFill>
+            <a:prstDash val="solid"/>
+            <a:round/>
+            <a:headEnd type="none" w="sm" len="sm"/>
+            <a:tailEnd type="none" w="sm" len="sm"/>
+          </a:ln>
+        </p:spPr>
+        <p:txBody>
+          <a:bodyPr spcFirstLastPara="1" wrap="square" lIns="91425" tIns="45700" rIns="91425" bIns="45700" anchor="ctr" anchorCtr="0">
+            <a:noAutofit/>
+          </a:bodyPr>
+          <a:lstStyle/>
+          <a:p>
+            <a:pPr marL="0" marR="0" lvl="0" indent="0" algn="ctr" rtl="0">
+              <a:lnSpc>
+                <a:spcPct val="100000"/>
+              </a:lnSpc>
+              <a:spcBef>
+                <a:spcPts val="0"/>
+              </a:spcBef>
+              <a:spcAft>
+                <a:spcPts val="0"/>
+              </a:spcAft>
+              <a:buNone/>
+            </a:pPr>
+            <a:r>
+              <a:rPr lang="en-US" sz="2400" b="0" i="0" u="none" strike="noStrike" cap="none" dirty="0" err="1">
+                <a:solidFill>
+                  <a:schemeClr val="lt1"/>
+                </a:solidFill>
+                <a:latin typeface="Arial"/>
+                <a:ea typeface="Arial"/>
+                <a:cs typeface="Arial"/>
+                <a:sym typeface="Arial"/>
+              </a:rPr>
+              <a:t>ProNE</a:t>
+            </a:r>
+            <a:endParaRPr sz="2400" dirty="0"/>
+          </a:p>
+        </p:txBody>
+      </p:sp>
+    </p:spTree>
+    <p:extLst>
+      <p:ext uri="{BB962C8B-B14F-4D97-AF65-F5344CB8AC3E}">
+        <p14:creationId xmlns:p14="http://schemas.microsoft.com/office/powerpoint/2010/main" val="994315568"/>
+      </p:ext>
+    </p:extLst>
+  </p:cSld>
+  <p:clrMapOvr>
+    <a:masterClrMapping/>
+  </p:clrMapOvr>
+</p:sld>
+</file>
+
+<file path=ppt/slides/slide4.xml><?xml version="1.0" encoding="utf-8"?>
+<p:sld xmlns:a="http://schemas.openxmlformats.org/drawingml/2006/main" xmlns:r="http://schemas.openxmlformats.org/officeDocument/2006/relationships" xmlns:p="http://schemas.openxmlformats.org/presentationml/2006/main">
+  <p:cSld>
+    <p:spTree>
+      <p:nvGrpSpPr>
+        <p:cNvPr id="1" name=""/>
+        <p:cNvGrpSpPr/>
+        <p:nvPr/>
+      </p:nvGrpSpPr>
+      <p:grpSpPr>
+        <a:xfrm>
+          <a:off x="0" y="0"/>
+          <a:ext cx="0" cy="0"/>
+          <a:chOff x="0" y="0"/>
+          <a:chExt cx="0" cy="0"/>
+        </a:xfrm>
+      </p:grpSpPr>
       <p:pic>
         <p:nvPicPr>
           <p:cNvPr id="11" name="Content Placeholder 7" descr="A picture containing text, font, screenshot, circle&#10;&#10;Description automatically generated">
@@ -4327,7 +4638,7 @@
           <a:p>
             <a:fld id="{A368AD35-EA55-254F-AD80-EFD99CF0F10B}" type="slidenum">
               <a:rPr lang="en-US" smtClean="0"/>
-              <a:t>3</a:t>
+              <a:t>4</a:t>
             </a:fld>
             <a:endParaRPr lang="en-US"/>
           </a:p>
@@ -4549,7 +4860,7 @@
 </p:sld>
 </file>
 
-<file path=ppt/slides/slide4.xml><?xml version="1.0" encoding="utf-8"?>
+<file path=ppt/slides/slide5.xml><?xml version="1.0" encoding="utf-8"?>
 <p:sld xmlns:a="http://schemas.openxmlformats.org/drawingml/2006/main" xmlns:r="http://schemas.openxmlformats.org/officeDocument/2006/relationships" xmlns:p="http://schemas.openxmlformats.org/presentationml/2006/main">
   <p:cSld>
     <p:spTree>
@@ -4634,9 +4945,35 @@
             </a:r>
           </a:p>
           <a:p>
+            <a:pPr lvl="1"/>
+            <a:r>
+              <a:rPr lang="en-US" dirty="0"/>
+              <a:t>Note: </a:t>
+            </a:r>
+            <a:r>
+              <a:rPr lang="en-US" dirty="0" err="1"/>
+              <a:t>ProNE</a:t>
+            </a:r>
+            <a:r>
+              <a:rPr lang="en-US" dirty="0"/>
+              <a:t> is trained on bins</a:t>
+            </a:r>
+          </a:p>
+          <a:p>
+            <a:pPr lvl="1"/>
+            <a:r>
+              <a:rPr lang="en-US" dirty="0"/>
+              <a:t>Unlike Specter (trained on 100%)</a:t>
+            </a:r>
+          </a:p>
+          <a:p>
+            <a:r>
+              <a:rPr lang="en-US" dirty="0"/>
+              <a:t>E</a:t>
+            </a:r>
             <a:r>
               <a:rPr lang="en-US" sz="2800" dirty="0"/>
-              <a:t>But ensemb</a:t>
+              <a:t>nsemb</a:t>
             </a:r>
             <a:r>
               <a:rPr lang="en-US" dirty="0"/>
@@ -4866,6 +5203,68 @@
                                   </p:childTnLst>
                                 </p:cTn>
                               </p:par>
+                              <p:par>
+                                <p:cTn id="7" presetID="1" presetClass="entr" presetSubtype="0" fill="hold" nodeType="withEffect">
+                                  <p:stCondLst>
+                                    <p:cond delay="0"/>
+                                  </p:stCondLst>
+                                  <p:childTnLst>
+                                    <p:set>
+                                      <p:cBhvr>
+                                        <p:cTn id="8" dur="1" fill="hold">
+                                          <p:stCondLst>
+                                            <p:cond delay="0"/>
+                                          </p:stCondLst>
+                                        </p:cTn>
+                                        <p:tgtEl>
+                                          <p:spTgt spid="5">
+                                            <p:txEl>
+                                              <p:pRg st="1" end="1"/>
+                                            </p:txEl>
+                                          </p:spTgt>
+                                        </p:tgtEl>
+                                        <p:attrNameLst>
+                                          <p:attrName>style.visibility</p:attrName>
+                                        </p:attrNameLst>
+                                      </p:cBhvr>
+                                      <p:to>
+                                        <p:strVal val="visible"/>
+                                      </p:to>
+                                    </p:set>
+                                  </p:childTnLst>
+                                </p:cTn>
+                              </p:par>
+                              <p:par>
+                                <p:cTn id="9" presetID="1" presetClass="entr" presetSubtype="0" fill="hold" nodeType="withEffect">
+                                  <p:stCondLst>
+                                    <p:cond delay="0"/>
+                                  </p:stCondLst>
+                                  <p:childTnLst>
+                                    <p:set>
+                                      <p:cBhvr>
+                                        <p:cTn id="10" dur="1" fill="hold">
+                                          <p:stCondLst>
+                                            <p:cond delay="0"/>
+                                          </p:stCondLst>
+                                        </p:cTn>
+                                        <p:tgtEl>
+                                          <p:spTgt spid="5">
+                                            <p:txEl>
+                                              <p:pRg st="2" end="2"/>
+                                            </p:txEl>
+                                          </p:spTgt>
+                                        </p:tgtEl>
+                                        <p:attrNameLst>
+                                          <p:attrName>style.visibility</p:attrName>
+                                        </p:attrNameLst>
+                                      </p:cBhvr>
+                                      <p:to>
+                                        <p:strVal val="visible"/>
+                                      </p:to>
+                                    </p:set>
+                                  </p:childTnLst>
+                                </p:cTn>
+                              </p:par>
                             </p:childTnLst>
                           </p:cTn>
                         </p:par>
@@ -4873,26 +5272,26 @@
                     </p:cTn>
                   </p:par>
                   <p:par>
-                    <p:cTn id="7" fill="hold">
+                    <p:cTn id="11" fill="hold">
                       <p:stCondLst>
                         <p:cond delay="indefinite"/>
                       </p:stCondLst>
                       <p:childTnLst>
                         <p:par>
-                          <p:cTn id="8" fill="hold">
+                          <p:cTn id="12" fill="hold">
                             <p:stCondLst>
                               <p:cond delay="0"/>
                             </p:stCondLst>
                             <p:childTnLst>
                               <p:par>
-                                <p:cTn id="9" presetID="2" presetClass="entr" presetSubtype="4" fill="hold" grpId="0" nodeType="clickEffect">
+                                <p:cTn id="13" presetID="2" presetClass="entr" presetSubtype="4" fill="hold" grpId="0" nodeType="clickEffect">
                                   <p:stCondLst>
                                     <p:cond delay="0"/>
                                   </p:stCondLst>
                                   <p:childTnLst>
                                     <p:set>
                                       <p:cBhvr>
-                                        <p:cTn id="10" dur="1" fill="hold">
+                                        <p:cTn id="14" dur="1" fill="hold">
                                           <p:stCondLst>
                                             <p:cond delay="0"/>
                                           </p:stCondLst>
@@ -4910,7 +5309,7 @@
                                     </p:set>
                                     <p:anim calcmode="lin" valueType="num">
                                       <p:cBhvr additive="base">
-                                        <p:cTn id="11" dur="500" fill="hold"/>
+                                        <p:cTn id="15" dur="500" fill="hold"/>
                                         <p:tgtEl>
                                           <p:spTgt spid="8"/>
                                         </p:tgtEl>
@@ -4933,7 +5332,7 @@
                                     </p:anim>
                                     <p:anim calcmode="lin" valueType="num">
                                       <p:cBhvr additive="base">
-                                        <p:cTn id="12" dur="500" fill="hold"/>
+                                        <p:cTn id="16" dur="500" fill="hold"/>
                                         <p:tgtEl>
                                           <p:spTgt spid="8"/>
                                         </p:tgtEl>
@@ -4964,106 +5363,26 @@
                     </p:cTn>
                   </p:par>
                   <p:par>
-                    <p:cTn id="13" fill="hold">
+                    <p:cTn id="17" fill="hold">
                       <p:stCondLst>
                         <p:cond delay="indefinite"/>
                       </p:stCondLst>
                       <p:childTnLst>
                         <p:par>
-                          <p:cTn id="14" fill="hold">
+                          <p:cTn id="18" fill="hold">
                             <p:stCondLst>
                               <p:cond delay="0"/>
                             </p:stCondLst>
                             <p:childTnLst>
                               <p:par>
-                                <p:cTn id="15" presetID="1" presetClass="entr" presetSubtype="0" fill="hold" nodeType="clickEffect">
+                                <p:cTn id="19" presetID="1" presetClass="entr" presetSubtype="0" fill="hold" nodeType="clickEffect">
                                   <p:stCondLst>
                                     <p:cond delay="0"/>
                                   </p:stCondLst>
                                   <p:childTnLst>
                                     <p:set>
                                       <p:cBhvr>
-                                        <p:cTn id="16" dur="1" fill="hold">
-                                          <p:stCondLst>
-                                            <p:cond delay="0"/>
-                                          </p:stCondLst>
-                                        </p:cTn>
-                                        <p:tgtEl>
-                                          <p:spTgt spid="5">
-                                            <p:txEl>
-                                              <p:pRg st="1" end="1"/>
-                                            </p:txEl>
-                                          </p:spTgt>
-                                        </p:tgtEl>
-                                        <p:attrNameLst>
-                                          <p:attrName>style.visibility</p:attrName>
-                                        </p:attrNameLst>
-                                      </p:cBhvr>
-                                      <p:to>
-                                        <p:strVal val="visible"/>
-                                      </p:to>
-                                    </p:set>
-                                  </p:childTnLst>
-                                </p:cTn>
-                              </p:par>
-                              <p:par>
-                                <p:cTn id="17" presetID="1" presetClass="entr" presetSubtype="0" fill="hold" nodeType="withEffect">
-                                  <p:stCondLst>
-                                    <p:cond delay="0"/>
-                                  </p:stCondLst>
-                                  <p:childTnLst>
-                                    <p:set>
-                                      <p:cBhvr>
-                                        <p:cTn id="18" dur="1" fill="hold">
-                                          <p:stCondLst>
-                                            <p:cond delay="0"/>
-                                          </p:stCondLst>
-                                        </p:cTn>
-                                        <p:tgtEl>
-                                          <p:spTgt spid="5">
-                                            <p:txEl>
-                                              <p:pRg st="2" end="2"/>
-                                            </p:txEl>
-                                          </p:spTgt>
-                                        </p:tgtEl>
-                                        <p:attrNameLst>
-                                          <p:attrName>style.visibility</p:attrName>
-                                        </p:attrNameLst>
-                                      </p:cBhvr>
-                                      <p:to>
-                                        <p:strVal val="visible"/>
-                                      </p:to>
-                                    </p:set>
-                                  </p:childTnLst>
-                                </p:cTn>
-                              </p:par>
-                            </p:childTnLst>
-                          </p:cTn>
-                        </p:par>
-                      </p:childTnLst>
-                    </p:cTn>
-                  </p:par>
-                  <p:par>
-                    <p:cTn id="19" fill="hold">
-                      <p:stCondLst>
-                        <p:cond delay="indefinite"/>
-                      </p:stCondLst>
-                      <p:childTnLst>
-                        <p:par>
-                          <p:cTn id="20" fill="hold">
-                            <p:stCondLst>
-                              <p:cond delay="0"/>
-                            </p:stCondLst>
-                            <p:childTnLst>
-                              <p:par>
-                                <p:cTn id="21" presetID="1" presetClass="entr" presetSubtype="0" fill="hold" nodeType="clickEffect">
-                                  <p:stCondLst>
-                                    <p:cond delay="0"/>
-                                  </p:stCondLst>
-                                  <p:childTnLst>
-                                    <p:set>
-                                      <p:cBhvr>
-                                        <p:cTn id="22" dur="1" fill="hold">
+                                        <p:cTn id="20" dur="1" fill="hold">
                                           <p:stCondLst>
                                             <p:cond delay="0"/>
                                           </p:stCondLst>
@@ -5087,14 +5406,14 @@
                                 </p:cTn>
                               </p:par>
                               <p:par>
-                                <p:cTn id="23" presetID="1" presetClass="entr" presetSubtype="0" fill="hold" nodeType="withEffect">
+                                <p:cTn id="21" presetID="1" presetClass="entr" presetSubtype="0" fill="hold" nodeType="withEffect">
                                   <p:stCondLst>
                                     <p:cond delay="0"/>
                                   </p:stCondLst>
                                   <p:childTnLst>
                                     <p:set>
                                       <p:cBhvr>
-                                        <p:cTn id="24" dur="1" fill="hold">
+                                        <p:cTn id="22" dur="1" fill="hold">
                                           <p:stCondLst>
                                             <p:cond delay="0"/>
                                           </p:stCondLst>
@@ -5117,8 +5436,26 @@
                                   </p:childTnLst>
                                 </p:cTn>
                               </p:par>
+                            </p:childTnLst>
+                          </p:cTn>
+                        </p:par>
+                      </p:childTnLst>
+                    </p:cTn>
+                  </p:par>
+                  <p:par>
+                    <p:cTn id="23" fill="hold">
+                      <p:stCondLst>
+                        <p:cond delay="indefinite"/>
+                      </p:stCondLst>
+                      <p:childTnLst>
+                        <p:par>
+                          <p:cTn id="24" fill="hold">
+                            <p:stCondLst>
+                              <p:cond delay="0"/>
+                            </p:stCondLst>
+                            <p:childTnLst>
                               <p:par>
-                                <p:cTn id="25" presetID="1" presetClass="entr" presetSubtype="0" fill="hold" nodeType="withEffect">
+                                <p:cTn id="25" presetID="1" presetClass="entr" presetSubtype="0" fill="hold" nodeType="clickEffect">
                                   <p:stCondLst>
                                     <p:cond delay="0"/>
                                   </p:stCondLst>
@@ -5148,6 +5485,68 @@
                                   </p:childTnLst>
                                 </p:cTn>
                               </p:par>
+                              <p:par>
+                                <p:cTn id="27" presetID="1" presetClass="entr" presetSubtype="0" fill="hold" nodeType="withEffect">
+                                  <p:stCondLst>
+                                    <p:cond delay="0"/>
+                                  </p:stCondLst>
+                                  <p:childTnLst>
+                                    <p:set>
+                                      <p:cBhvr>
+                                        <p:cTn id="28" dur="1" fill="hold">
+                                          <p:stCondLst>
+                                            <p:cond delay="0"/>
+                                          </p:stCondLst>
+                                        </p:cTn>
+                                        <p:tgtEl>
+                                          <p:spTgt spid="5">
+                                            <p:txEl>
+                                              <p:pRg st="6" end="6"/>
+                                            </p:txEl>
+                                          </p:spTgt>
+                                        </p:tgtEl>
+                                        <p:attrNameLst>
+                                          <p:attrName>style.visibility</p:attrName>
+                                        </p:attrNameLst>
+                                      </p:cBhvr>
+                                      <p:to>
+                                        <p:strVal val="visible"/>
+                                      </p:to>
+                                    </p:set>
+                                  </p:childTnLst>
+                                </p:cTn>
+                              </p:par>
+                              <p:par>
+                                <p:cTn id="29" presetID="1" presetClass="entr" presetSubtype="0" fill="hold" nodeType="withEffect">
+                                  <p:stCondLst>
+                                    <p:cond delay="0"/>
+                                  </p:stCondLst>
+                                  <p:childTnLst>
+                                    <p:set>
+                                      <p:cBhvr>
+                                        <p:cTn id="30" dur="1" fill="hold">
+                                          <p:stCondLst>
+                                            <p:cond delay="0"/>
+                                          </p:stCondLst>
+                                        </p:cTn>
+                                        <p:tgtEl>
+                                          <p:spTgt spid="5">
+                                            <p:txEl>
+                                              <p:pRg st="7" end="7"/>
+                                            </p:txEl>
+                                          </p:spTgt>
+                                        </p:tgtEl>
+                                        <p:attrNameLst>
+                                          <p:attrName>style.visibility</p:attrName>
+                                        </p:attrNameLst>
+                                      </p:cBhvr>
+                                      <p:to>
+                                        <p:strVal val="visible"/>
+                                      </p:to>
+                                    </p:set>
+                                  </p:childTnLst>
+                                </p:cTn>
+                              </p:par>
                             </p:childTnLst>
                           </p:cTn>
                         </p:par>
@@ -5155,26 +5554,26 @@
                     </p:cTn>
                   </p:par>
                   <p:par>
-                    <p:cTn id="27" fill="hold">
+                    <p:cTn id="31" fill="hold">
                       <p:stCondLst>
                         <p:cond delay="indefinite"/>
                       </p:stCondLst>
                       <p:childTnLst>
                         <p:par>
-                          <p:cTn id="28" fill="hold">
+                          <p:cTn id="32" fill="hold">
                             <p:stCondLst>
                               <p:cond delay="0"/>
                             </p:stCondLst>
                             <p:childTnLst>
                               <p:par>
-                                <p:cTn id="29" presetID="2" presetClass="entr" presetSubtype="3" fill="hold" grpId="0" nodeType="clickEffect">
+                                <p:cTn id="33" presetID="2" presetClass="entr" presetSubtype="3" fill="hold" grpId="0" nodeType="clickEffect">
                                   <p:stCondLst>
                                     <p:cond delay="0"/>
                                   </p:stCondLst>
                                   <p:childTnLst>
                                     <p:set>
                                       <p:cBhvr>
-                                        <p:cTn id="30" dur="1" fill="hold">
+                                        <p:cTn id="34" dur="1" fill="hold">
                                           <p:stCondLst>
                                             <p:cond delay="0"/>
                                           </p:stCondLst>
@@ -5192,7 +5591,7 @@
                                     </p:set>
                                     <p:anim calcmode="lin" valueType="num">
                                       <p:cBhvr additive="base">
-                                        <p:cTn id="31" dur="500" fill="hold"/>
+                                        <p:cTn id="35" dur="500" fill="hold"/>
                                         <p:tgtEl>
                                           <p:spTgt spid="9"/>
                                         </p:tgtEl>
@@ -5215,7 +5614,7 @@
                                     </p:anim>
                                     <p:anim calcmode="lin" valueType="num">
                                       <p:cBhvr additive="base">
-                                        <p:cTn id="32" dur="500" fill="hold"/>
+                                        <p:cTn id="36" dur="500" fill="hold"/>
                                         <p:tgtEl>
                                           <p:spTgt spid="9"/>
                                         </p:tgtEl>
@@ -5274,7 +5673,7 @@
 </p:sld>
 </file>
 
-<file path=ppt/slides/slide5.xml><?xml version="1.0" encoding="utf-8"?>
+<file path=ppt/slides/slide6.xml><?xml version="1.0" encoding="utf-8"?>
 <p:sld xmlns:a="http://schemas.openxmlformats.org/drawingml/2006/main" xmlns:r="http://schemas.openxmlformats.org/officeDocument/2006/relationships" xmlns:p="http://schemas.openxmlformats.org/presentationml/2006/main">
   <p:cSld>
     <p:spTree>
@@ -5415,7 +5814,7 @@
           <a:p>
             <a:fld id="{A368AD35-EA55-254F-AD80-EFD99CF0F10B}" type="slidenum">
               <a:rPr lang="en-US" smtClean="0"/>
-              <a:t>5</a:t>
+              <a:t>6</a:t>
             </a:fld>
             <a:endParaRPr lang="en-US"/>
           </a:p>
@@ -5587,312 +5986,6 @@
     <p:extLst>
       <p:ext uri="{BB962C8B-B14F-4D97-AF65-F5344CB8AC3E}">
         <p14:creationId xmlns:p14="http://schemas.microsoft.com/office/powerpoint/2010/main" val="3755420262"/>
-      </p:ext>
-    </p:extLst>
-  </p:cSld>
-  <p:clrMapOvr>
-    <a:masterClrMapping/>
-  </p:clrMapOvr>
-</p:sld>
-</file>
-
-<file path=ppt/slides/slide6.xml><?xml version="1.0" encoding="utf-8"?>
-<p:sld xmlns:a="http://schemas.openxmlformats.org/drawingml/2006/main" xmlns:r="http://schemas.openxmlformats.org/officeDocument/2006/relationships" xmlns:p="http://schemas.openxmlformats.org/presentationml/2006/main">
-  <p:cSld>
-    <p:spTree>
-      <p:nvGrpSpPr>
-        <p:cNvPr id="1" name=""/>
-        <p:cNvGrpSpPr/>
-        <p:nvPr/>
-      </p:nvGrpSpPr>
-      <p:grpSpPr>
-        <a:xfrm>
-          <a:off x="0" y="0"/>
-          <a:ext cx="0" cy="0"/>
-          <a:chOff x="0" y="0"/>
-          <a:chExt cx="0" cy="0"/>
-        </a:xfrm>
-      </p:grpSpPr>
-      <p:sp>
-        <p:nvSpPr>
-          <p:cNvPr id="2" name="Title 1">
-            <a:extLst>
-              <a:ext uri="{FF2B5EF4-FFF2-40B4-BE49-F238E27FC236}">
-                <a16:creationId xmlns:a16="http://schemas.microsoft.com/office/drawing/2014/main" id="{D70BB6FE-00A2-2EED-2ACB-26AAB003B7CC}"/>
-              </a:ext>
-            </a:extLst>
-          </p:cNvPr>
-          <p:cNvSpPr>
-            <a:spLocks noGrp="1"/>
-          </p:cNvSpPr>
-          <p:nvPr>
-            <p:ph type="title"/>
-          </p:nvPr>
-        </p:nvSpPr>
-        <p:spPr/>
-        <p:txBody>
-          <a:bodyPr>
-            <a:normAutofit fontScale="90000"/>
-          </a:bodyPr>
-          <a:lstStyle/>
-          <a:p>
-            <a:r>
-              <a:rPr lang="en-US" sz="6000" dirty="0"/>
-              <a:t>Better Together:</a:t>
-            </a:r>
-            <a:br>
-              <a:rPr lang="en-US" dirty="0"/>
-            </a:br>
-            <a:r>
-              <a:rPr lang="en-US" dirty="0"/>
-              <a:t>Text (Titles, Abstracts, Body); Context (Citations)</a:t>
-            </a:r>
-          </a:p>
-        </p:txBody>
-      </p:sp>
-      <p:pic>
-        <p:nvPicPr>
-          <p:cNvPr id="5" name="Content Placeholder 4" descr="A picture containing text, screenshot&#10;&#10;Description automatically generated">
-            <a:extLst>
-              <a:ext uri="{FF2B5EF4-FFF2-40B4-BE49-F238E27FC236}">
-                <a16:creationId xmlns:a16="http://schemas.microsoft.com/office/drawing/2014/main" id="{569A0BF9-7E0A-BD1F-883F-22756708D514}"/>
-              </a:ext>
-            </a:extLst>
-          </p:cNvPr>
-          <p:cNvPicPr>
-            <a:picLocks noGrp="1" noChangeAspect="1"/>
-          </p:cNvPicPr>
-          <p:nvPr>
-            <p:ph idx="1"/>
-          </p:nvPr>
-        </p:nvPicPr>
-        <p:blipFill>
-          <a:blip r:embed="rId2"/>
-          <a:stretch>
-            <a:fillRect/>
-          </a:stretch>
-        </p:blipFill>
-        <p:spPr>
-          <a:xfrm>
-            <a:off x="1224393" y="1825625"/>
-            <a:ext cx="9743213" cy="4351338"/>
-          </a:xfrm>
-        </p:spPr>
-      </p:pic>
-      <p:sp>
-        <p:nvSpPr>
-          <p:cNvPr id="6" name="Date Placeholder 5">
-            <a:extLst>
-              <a:ext uri="{FF2B5EF4-FFF2-40B4-BE49-F238E27FC236}">
-                <a16:creationId xmlns:a16="http://schemas.microsoft.com/office/drawing/2014/main" id="{E6021C20-D7D5-98F6-F372-7549C03C7862}"/>
-              </a:ext>
-            </a:extLst>
-          </p:cNvPr>
-          <p:cNvSpPr>
-            <a:spLocks noGrp="1"/>
-          </p:cNvSpPr>
-          <p:nvPr>
-            <p:ph type="dt" sz="half" idx="10"/>
-          </p:nvPr>
-        </p:nvSpPr>
-        <p:spPr/>
-        <p:txBody>
-          <a:bodyPr/>
-          <a:lstStyle/>
-          <a:p>
-            <a:r>
-              <a:rPr lang="en-US"/>
-              <a:t>Aug 3, 2023</a:t>
-            </a:r>
-          </a:p>
-        </p:txBody>
-      </p:sp>
-      <p:sp>
-        <p:nvSpPr>
-          <p:cNvPr id="7" name="Slide Number Placeholder 6">
-            <a:extLst>
-              <a:ext uri="{FF2B5EF4-FFF2-40B4-BE49-F238E27FC236}">
-                <a16:creationId xmlns:a16="http://schemas.microsoft.com/office/drawing/2014/main" id="{344477A1-06C8-D542-F94E-8F11E4CC9FA5}"/>
-              </a:ext>
-            </a:extLst>
-          </p:cNvPr>
-          <p:cNvSpPr>
-            <a:spLocks noGrp="1"/>
-          </p:cNvSpPr>
-          <p:nvPr>
-            <p:ph type="sldNum" sz="quarter" idx="12"/>
-          </p:nvPr>
-        </p:nvSpPr>
-        <p:spPr/>
-        <p:txBody>
-          <a:bodyPr/>
-          <a:lstStyle/>
-          <a:p>
-            <a:fld id="{A368AD35-EA55-254F-AD80-EFD99CF0F10B}" type="slidenum">
-              <a:rPr lang="en-US" smtClean="0"/>
-              <a:t>6</a:t>
-            </a:fld>
-            <a:endParaRPr lang="en-US"/>
-          </a:p>
-        </p:txBody>
-      </p:sp>
-      <p:sp>
-        <p:nvSpPr>
-          <p:cNvPr id="3" name="Google Shape;192;p14">
-            <a:extLst>
-              <a:ext uri="{FF2B5EF4-FFF2-40B4-BE49-F238E27FC236}">
-                <a16:creationId xmlns:a16="http://schemas.microsoft.com/office/drawing/2014/main" id="{ED46BE33-B7CB-DFF8-D4FD-9A1C26716476}"/>
-              </a:ext>
-            </a:extLst>
-          </p:cNvPr>
-          <p:cNvSpPr/>
-          <p:nvPr/>
-        </p:nvSpPr>
-        <p:spPr>
-          <a:xfrm>
-            <a:off x="904461" y="6015831"/>
-            <a:ext cx="2610677" cy="681037"/>
-          </a:xfrm>
-          <a:prstGeom prst="wedgeRoundRectCallout">
-            <a:avLst>
-              <a:gd name="adj1" fmla="val -8116"/>
-              <a:gd name="adj2" fmla="val -108897"/>
-              <a:gd name="adj3" fmla="val 16667"/>
-            </a:avLst>
-          </a:prstGeom>
-          <a:solidFill>
-            <a:schemeClr val="accent1"/>
-          </a:solidFill>
-          <a:ln w="25400" cap="flat" cmpd="sng">
-            <a:solidFill>
-              <a:srgbClr val="102848"/>
-            </a:solidFill>
-            <a:prstDash val="solid"/>
-            <a:round/>
-            <a:headEnd type="none" w="sm" len="sm"/>
-            <a:tailEnd type="none" w="sm" len="sm"/>
-          </a:ln>
-        </p:spPr>
-        <p:txBody>
-          <a:bodyPr spcFirstLastPara="1" wrap="square" lIns="91425" tIns="45700" rIns="91425" bIns="45700" anchor="ctr" anchorCtr="0">
-            <a:noAutofit/>
-          </a:bodyPr>
-          <a:lstStyle/>
-          <a:p>
-            <a:pPr marL="0" marR="0" lvl="0" indent="0" algn="ctr" rtl="0">
-              <a:lnSpc>
-                <a:spcPct val="100000"/>
-              </a:lnSpc>
-              <a:spcBef>
-                <a:spcPts val="0"/>
-              </a:spcBef>
-              <a:spcAft>
-                <a:spcPts val="0"/>
-              </a:spcAft>
-              <a:buNone/>
-            </a:pPr>
-            <a:r>
-              <a:rPr lang="en-US" sz="2400" b="0" i="0" u="none" strike="noStrike" cap="none" dirty="0">
-                <a:solidFill>
-                  <a:schemeClr val="lt1"/>
-                </a:solidFill>
-                <a:latin typeface="Arial"/>
-                <a:ea typeface="Arial"/>
-                <a:cs typeface="Arial"/>
-                <a:sym typeface="Arial"/>
-              </a:rPr>
-              <a:t>Specter, </a:t>
-            </a:r>
-            <a:r>
-              <a:rPr lang="en-US" sz="2400" dirty="0" err="1">
-                <a:solidFill>
-                  <a:schemeClr val="lt1"/>
-                </a:solidFill>
-                <a:latin typeface="Arial"/>
-                <a:cs typeface="Arial"/>
-                <a:sym typeface="Arial"/>
-              </a:rPr>
-              <a:t>SciNCL</a:t>
-            </a:r>
-            <a:endParaRPr sz="2400" dirty="0"/>
-          </a:p>
-        </p:txBody>
-      </p:sp>
-      <p:sp>
-        <p:nvSpPr>
-          <p:cNvPr id="4" name="Google Shape;192;p14">
-            <a:extLst>
-              <a:ext uri="{FF2B5EF4-FFF2-40B4-BE49-F238E27FC236}">
-                <a16:creationId xmlns:a16="http://schemas.microsoft.com/office/drawing/2014/main" id="{558819C9-A622-E2DB-2A67-EC2B4AA0E0EE}"/>
-              </a:ext>
-            </a:extLst>
-          </p:cNvPr>
-          <p:cNvSpPr/>
-          <p:nvPr/>
-        </p:nvSpPr>
-        <p:spPr>
-          <a:xfrm>
-            <a:off x="3901332" y="6015830"/>
-            <a:ext cx="1666462" cy="681037"/>
-          </a:xfrm>
-          <a:prstGeom prst="wedgeRoundRectCallout">
-            <a:avLst>
-              <a:gd name="adj1" fmla="val -8116"/>
-              <a:gd name="adj2" fmla="val -108897"/>
-              <a:gd name="adj3" fmla="val 16667"/>
-            </a:avLst>
-          </a:prstGeom>
-          <a:solidFill>
-            <a:schemeClr val="accent1"/>
-          </a:solidFill>
-          <a:ln w="25400" cap="flat" cmpd="sng">
-            <a:solidFill>
-              <a:srgbClr val="102848"/>
-            </a:solidFill>
-            <a:prstDash val="solid"/>
-            <a:round/>
-            <a:headEnd type="none" w="sm" len="sm"/>
-            <a:tailEnd type="none" w="sm" len="sm"/>
-          </a:ln>
-        </p:spPr>
-        <p:txBody>
-          <a:bodyPr spcFirstLastPara="1" wrap="square" lIns="91425" tIns="45700" rIns="91425" bIns="45700" anchor="ctr" anchorCtr="0">
-            <a:noAutofit/>
-          </a:bodyPr>
-          <a:lstStyle/>
-          <a:p>
-            <a:pPr marL="0" marR="0" lvl="0" indent="0" algn="ctr" rtl="0">
-              <a:lnSpc>
-                <a:spcPct val="100000"/>
-              </a:lnSpc>
-              <a:spcBef>
-                <a:spcPts val="0"/>
-              </a:spcBef>
-              <a:spcAft>
-                <a:spcPts val="0"/>
-              </a:spcAft>
-              <a:buNone/>
-            </a:pPr>
-            <a:r>
-              <a:rPr lang="en-US" sz="2400" b="0" i="0" u="none" strike="noStrike" cap="none" dirty="0" err="1">
-                <a:solidFill>
-                  <a:schemeClr val="lt1"/>
-                </a:solidFill>
-                <a:latin typeface="Arial"/>
-                <a:ea typeface="Arial"/>
-                <a:cs typeface="Arial"/>
-                <a:sym typeface="Arial"/>
-              </a:rPr>
-              <a:t>ProNE</a:t>
-            </a:r>
-            <a:endParaRPr sz="2400" dirty="0"/>
-          </a:p>
-        </p:txBody>
-      </p:sp>
-    </p:spTree>
-    <p:extLst>
-      <p:ext uri="{BB962C8B-B14F-4D97-AF65-F5344CB8AC3E}">
-        <p14:creationId xmlns:p14="http://schemas.microsoft.com/office/powerpoint/2010/main" val="994315568"/>
       </p:ext>
     </p:extLst>
   </p:cSld>

--- a/slides/final_presentation/conclusions2.pptx
+++ b/slides/final_presentation/conclusions2.pptx
@@ -4411,6 +4411,160 @@
           </a:p>
         </p:txBody>
       </p:sp>
+      <p:sp>
+        <p:nvSpPr>
+          <p:cNvPr id="8" name="Google Shape;192;p14">
+            <a:extLst>
+              <a:ext uri="{FF2B5EF4-FFF2-40B4-BE49-F238E27FC236}">
+                <a16:creationId xmlns:a16="http://schemas.microsoft.com/office/drawing/2014/main" id="{71FA789B-BFD6-10CA-59AC-4BF9A93E5D06}"/>
+              </a:ext>
+            </a:extLst>
+          </p:cNvPr>
+          <p:cNvSpPr/>
+          <p:nvPr/>
+        </p:nvSpPr>
+        <p:spPr>
+          <a:xfrm>
+            <a:off x="128582" y="4675981"/>
+            <a:ext cx="1871690" cy="833438"/>
+          </a:xfrm>
+          <a:prstGeom prst="wedgeRoundRectCallout">
+            <a:avLst>
+              <a:gd name="adj1" fmla="val 23573"/>
+              <a:gd name="adj2" fmla="val 82362"/>
+              <a:gd name="adj3" fmla="val 16667"/>
+            </a:avLst>
+          </a:prstGeom>
+          <a:solidFill>
+            <a:schemeClr val="accent1"/>
+          </a:solidFill>
+          <a:ln w="25400" cap="flat" cmpd="sng">
+            <a:solidFill>
+              <a:srgbClr val="102848"/>
+            </a:solidFill>
+            <a:prstDash val="solid"/>
+            <a:round/>
+            <a:headEnd type="none" w="sm" len="sm"/>
+            <a:tailEnd type="none" w="sm" len="sm"/>
+          </a:ln>
+        </p:spPr>
+        <p:txBody>
+          <a:bodyPr spcFirstLastPara="1" wrap="square" lIns="91425" tIns="45700" rIns="91425" bIns="45700" anchor="ctr" anchorCtr="0">
+            <a:noAutofit/>
+          </a:bodyPr>
+          <a:lstStyle/>
+          <a:p>
+            <a:pPr marL="0" marR="0" lvl="0" indent="0" algn="ctr" rtl="0">
+              <a:lnSpc>
+                <a:spcPct val="100000"/>
+              </a:lnSpc>
+              <a:spcBef>
+                <a:spcPts val="0"/>
+              </a:spcBef>
+              <a:spcAft>
+                <a:spcPts val="0"/>
+              </a:spcAft>
+              <a:buNone/>
+            </a:pPr>
+            <a:r>
+              <a:rPr lang="en-US" sz="2400" b="0" i="0" u="none" strike="noStrike" cap="none" dirty="0">
+                <a:solidFill>
+                  <a:schemeClr val="lt1"/>
+                </a:solidFill>
+                <a:latin typeface="Arial"/>
+                <a:ea typeface="Arial"/>
+                <a:cs typeface="Arial"/>
+                <a:sym typeface="Arial"/>
+              </a:rPr>
+              <a:t>Author Perspective</a:t>
+            </a:r>
+            <a:endParaRPr sz="2400" dirty="0"/>
+          </a:p>
+        </p:txBody>
+      </p:sp>
+      <p:sp>
+        <p:nvSpPr>
+          <p:cNvPr id="9" name="Google Shape;192;p14">
+            <a:extLst>
+              <a:ext uri="{FF2B5EF4-FFF2-40B4-BE49-F238E27FC236}">
+                <a16:creationId xmlns:a16="http://schemas.microsoft.com/office/drawing/2014/main" id="{EE826B88-DED7-C943-1770-4BACDD97C307}"/>
+              </a:ext>
+            </a:extLst>
+          </p:cNvPr>
+          <p:cNvSpPr/>
+          <p:nvPr/>
+        </p:nvSpPr>
+        <p:spPr>
+          <a:xfrm>
+            <a:off x="6396010" y="5874758"/>
+            <a:ext cx="1871690" cy="833438"/>
+          </a:xfrm>
+          <a:prstGeom prst="wedgeRoundRectCallout">
+            <a:avLst>
+              <a:gd name="adj1" fmla="val -78757"/>
+              <a:gd name="adj2" fmla="val -11044"/>
+              <a:gd name="adj3" fmla="val 16667"/>
+            </a:avLst>
+          </a:prstGeom>
+          <a:solidFill>
+            <a:schemeClr val="accent1"/>
+          </a:solidFill>
+          <a:ln w="25400" cap="flat" cmpd="sng">
+            <a:solidFill>
+              <a:srgbClr val="102848"/>
+            </a:solidFill>
+            <a:prstDash val="solid"/>
+            <a:round/>
+            <a:headEnd type="none" w="sm" len="sm"/>
+            <a:tailEnd type="none" w="sm" len="sm"/>
+          </a:ln>
+        </p:spPr>
+        <p:txBody>
+          <a:bodyPr spcFirstLastPara="1" wrap="square" lIns="91425" tIns="45700" rIns="91425" bIns="45700" anchor="ctr" anchorCtr="0">
+            <a:noAutofit/>
+          </a:bodyPr>
+          <a:lstStyle/>
+          <a:p>
+            <a:pPr marL="0" marR="0" lvl="0" indent="0" algn="ctr" rtl="0">
+              <a:lnSpc>
+                <a:spcPct val="100000"/>
+              </a:lnSpc>
+              <a:spcBef>
+                <a:spcPts val="0"/>
+              </a:spcBef>
+              <a:spcAft>
+                <a:spcPts val="0"/>
+              </a:spcAft>
+              <a:buNone/>
+            </a:pPr>
+            <a:r>
+              <a:rPr lang="en-US" sz="2400" dirty="0">
+                <a:solidFill>
+                  <a:schemeClr val="lt1"/>
+                </a:solidFill>
+                <a:latin typeface="Arial"/>
+                <a:ea typeface="Arial"/>
+                <a:cs typeface="Arial"/>
+                <a:sym typeface="Arial"/>
+              </a:rPr>
+              <a:t>Audience</a:t>
+            </a:r>
+            <a:r>
+              <a:rPr lang="en-US" sz="2400" b="0" i="0" u="none" strike="noStrike" cap="none" dirty="0">
+                <a:solidFill>
+                  <a:schemeClr val="lt1"/>
+                </a:solidFill>
+                <a:latin typeface="Arial"/>
+                <a:ea typeface="Arial"/>
+                <a:cs typeface="Arial"/>
+                <a:sym typeface="Arial"/>
+              </a:rPr>
+              <a:t> Perspective</a:t>
+            </a:r>
+            <a:endParaRPr sz="2400" dirty="0"/>
+          </a:p>
+        </p:txBody>
+      </p:sp>
     </p:spTree>
     <p:extLst>
       <p:ext uri="{BB962C8B-B14F-4D97-AF65-F5344CB8AC3E}">
@@ -4421,6 +4575,222 @@
   <p:clrMapOvr>
     <a:masterClrMapping/>
   </p:clrMapOvr>
+  <p:timing>
+    <p:tnLst>
+      <p:par>
+        <p:cTn id="1" dur="indefinite" restart="never" nodeType="tmRoot">
+          <p:childTnLst>
+            <p:seq concurrent="1" nextAc="seek">
+              <p:cTn id="2" dur="indefinite" nodeType="mainSeq">
+                <p:childTnLst>
+                  <p:par>
+                    <p:cTn id="3" fill="hold">
+                      <p:stCondLst>
+                        <p:cond delay="indefinite"/>
+                      </p:stCondLst>
+                      <p:childTnLst>
+                        <p:par>
+                          <p:cTn id="4" fill="hold">
+                            <p:stCondLst>
+                              <p:cond delay="0"/>
+                            </p:stCondLst>
+                            <p:childTnLst>
+                              <p:par>
+                                <p:cTn id="5" presetID="2" presetClass="entr" presetSubtype="9" fill="hold" grpId="0" nodeType="clickEffect">
+                                  <p:stCondLst>
+                                    <p:cond delay="0"/>
+                                  </p:stCondLst>
+                                  <p:childTnLst>
+                                    <p:set>
+                                      <p:cBhvr>
+                                        <p:cTn id="6" dur="1" fill="hold">
+                                          <p:stCondLst>
+                                            <p:cond delay="0"/>
+                                          </p:stCondLst>
+                                        </p:cTn>
+                                        <p:tgtEl>
+                                          <p:spTgt spid="8"/>
+                                        </p:tgtEl>
+                                        <p:attrNameLst>
+                                          <p:attrName>style.visibility</p:attrName>
+                                        </p:attrNameLst>
+                                      </p:cBhvr>
+                                      <p:to>
+                                        <p:strVal val="visible"/>
+                                      </p:to>
+                                    </p:set>
+                                    <p:anim calcmode="lin" valueType="num">
+                                      <p:cBhvr additive="base">
+                                        <p:cTn id="7" dur="500" fill="hold"/>
+                                        <p:tgtEl>
+                                          <p:spTgt spid="8"/>
+                                        </p:tgtEl>
+                                        <p:attrNameLst>
+                                          <p:attrName>ppt_x</p:attrName>
+                                        </p:attrNameLst>
+                                      </p:cBhvr>
+                                      <p:tavLst>
+                                        <p:tav tm="0">
+                                          <p:val>
+                                            <p:strVal val="0-#ppt_w/2"/>
+                                          </p:val>
+                                        </p:tav>
+                                        <p:tav tm="100000">
+                                          <p:val>
+                                            <p:strVal val="#ppt_x"/>
+                                          </p:val>
+                                        </p:tav>
+                                      </p:tavLst>
+                                    </p:anim>
+                                    <p:anim calcmode="lin" valueType="num">
+                                      <p:cBhvr additive="base">
+                                        <p:cTn id="8" dur="500" fill="hold"/>
+                                        <p:tgtEl>
+                                          <p:spTgt spid="8"/>
+                                        </p:tgtEl>
+                                        <p:attrNameLst>
+                                          <p:attrName>ppt_y</p:attrName>
+                                        </p:attrNameLst>
+                                      </p:cBhvr>
+                                      <p:tavLst>
+                                        <p:tav tm="0">
+                                          <p:val>
+                                            <p:strVal val="0-#ppt_h/2"/>
+                                          </p:val>
+                                        </p:tav>
+                                        <p:tav tm="100000">
+                                          <p:val>
+                                            <p:strVal val="#ppt_y"/>
+                                          </p:val>
+                                        </p:tav>
+                                      </p:tavLst>
+                                    </p:anim>
+                                  </p:childTnLst>
+                                </p:cTn>
+                              </p:par>
+                            </p:childTnLst>
+                          </p:cTn>
+                        </p:par>
+                      </p:childTnLst>
+                    </p:cTn>
+                  </p:par>
+                  <p:par>
+                    <p:cTn id="9" fill="hold">
+                      <p:stCondLst>
+                        <p:cond delay="indefinite"/>
+                      </p:stCondLst>
+                      <p:childTnLst>
+                        <p:par>
+                          <p:cTn id="10" fill="hold">
+                            <p:stCondLst>
+                              <p:cond delay="0"/>
+                            </p:stCondLst>
+                            <p:childTnLst>
+                              <p:par>
+                                <p:cTn id="11" presetID="2" presetClass="entr" presetSubtype="6" fill="hold" grpId="0" nodeType="clickEffect">
+                                  <p:stCondLst>
+                                    <p:cond delay="0"/>
+                                  </p:stCondLst>
+                                  <p:childTnLst>
+                                    <p:set>
+                                      <p:cBhvr>
+                                        <p:cTn id="12" dur="1" fill="hold">
+                                          <p:stCondLst>
+                                            <p:cond delay="0"/>
+                                          </p:stCondLst>
+                                        </p:cTn>
+                                        <p:tgtEl>
+                                          <p:spTgt spid="9"/>
+                                        </p:tgtEl>
+                                        <p:attrNameLst>
+                                          <p:attrName>style.visibility</p:attrName>
+                                        </p:attrNameLst>
+                                      </p:cBhvr>
+                                      <p:to>
+                                        <p:strVal val="visible"/>
+                                      </p:to>
+                                    </p:set>
+                                    <p:anim calcmode="lin" valueType="num">
+                                      <p:cBhvr additive="base">
+                                        <p:cTn id="13" dur="500" fill="hold"/>
+                                        <p:tgtEl>
+                                          <p:spTgt spid="9"/>
+                                        </p:tgtEl>
+                                        <p:attrNameLst>
+                                          <p:attrName>ppt_x</p:attrName>
+                                        </p:attrNameLst>
+                                      </p:cBhvr>
+                                      <p:tavLst>
+                                        <p:tav tm="0">
+                                          <p:val>
+                                            <p:strVal val="1+#ppt_w/2"/>
+                                          </p:val>
+                                        </p:tav>
+                                        <p:tav tm="100000">
+                                          <p:val>
+                                            <p:strVal val="#ppt_x"/>
+                                          </p:val>
+                                        </p:tav>
+                                      </p:tavLst>
+                                    </p:anim>
+                                    <p:anim calcmode="lin" valueType="num">
+                                      <p:cBhvr additive="base">
+                                        <p:cTn id="14" dur="500" fill="hold"/>
+                                        <p:tgtEl>
+                                          <p:spTgt spid="9"/>
+                                        </p:tgtEl>
+                                        <p:attrNameLst>
+                                          <p:attrName>ppt_y</p:attrName>
+                                        </p:attrNameLst>
+                                      </p:cBhvr>
+                                      <p:tavLst>
+                                        <p:tav tm="0">
+                                          <p:val>
+                                            <p:strVal val="1+#ppt_h/2"/>
+                                          </p:val>
+                                        </p:tav>
+                                        <p:tav tm="100000">
+                                          <p:val>
+                                            <p:strVal val="#ppt_y"/>
+                                          </p:val>
+                                        </p:tav>
+                                      </p:tavLst>
+                                    </p:anim>
+                                  </p:childTnLst>
+                                </p:cTn>
+                              </p:par>
+                            </p:childTnLst>
+                          </p:cTn>
+                        </p:par>
+                      </p:childTnLst>
+                    </p:cTn>
+                  </p:par>
+                </p:childTnLst>
+              </p:cTn>
+              <p:prevCondLst>
+                <p:cond evt="onPrev" delay="0">
+                  <p:tgtEl>
+                    <p:sldTgt/>
+                  </p:tgtEl>
+                </p:cond>
+              </p:prevCondLst>
+              <p:nextCondLst>
+                <p:cond evt="onNext" delay="0">
+                  <p:tgtEl>
+                    <p:sldTgt/>
+                  </p:tgtEl>
+                </p:cond>
+              </p:nextCondLst>
+            </p:seq>
+          </p:childTnLst>
+        </p:cTn>
+      </p:par>
+    </p:tnLst>
+    <p:bldLst>
+      <p:bldP spid="8" grpId="0" animBg="1"/>
+      <p:bldP spid="9" grpId="0" animBg="1"/>
+    </p:bldLst>
+  </p:timing>
 </p:sld>
 </file>
 
@@ -5455,7 +5825,7 @@
                             </p:stCondLst>
                             <p:childTnLst>
                               <p:par>
-                                <p:cTn id="25" presetID="1" presetClass="entr" presetSubtype="0" fill="hold" nodeType="clickEffect">
+                                <p:cTn id="25" presetID="2" presetClass="entr" presetSubtype="3" fill="hold" grpId="0" nodeType="clickEffect">
                                   <p:stCondLst>
                                     <p:cond delay="0"/>
                                   </p:stCondLst>
@@ -5463,6 +5833,97 @@
                                     <p:set>
                                       <p:cBhvr>
                                         <p:cTn id="26" dur="1" fill="hold">
+                                          <p:stCondLst>
+                                            <p:cond delay="0"/>
+                                          </p:stCondLst>
+                                        </p:cTn>
+                                        <p:tgtEl>
+                                          <p:spTgt spid="9"/>
+                                        </p:tgtEl>
+                                        <p:attrNameLst>
+                                          <p:attrName>style.visibility</p:attrName>
+                                        </p:attrNameLst>
+                                      </p:cBhvr>
+                                      <p:to>
+                                        <p:strVal val="visible"/>
+                                      </p:to>
+                                    </p:set>
+                                    <p:anim calcmode="lin" valueType="num">
+                                      <p:cBhvr additive="base">
+                                        <p:cTn id="27" dur="500" fill="hold"/>
+                                        <p:tgtEl>
+                                          <p:spTgt spid="9"/>
+                                        </p:tgtEl>
+                                        <p:attrNameLst>
+                                          <p:attrName>ppt_x</p:attrName>
+                                        </p:attrNameLst>
+                                      </p:cBhvr>
+                                      <p:tavLst>
+                                        <p:tav tm="0">
+                                          <p:val>
+                                            <p:strVal val="1+#ppt_w/2"/>
+                                          </p:val>
+                                        </p:tav>
+                                        <p:tav tm="100000">
+                                          <p:val>
+                                            <p:strVal val="#ppt_x"/>
+                                          </p:val>
+                                        </p:tav>
+                                      </p:tavLst>
+                                    </p:anim>
+                                    <p:anim calcmode="lin" valueType="num">
+                                      <p:cBhvr additive="base">
+                                        <p:cTn id="28" dur="500" fill="hold"/>
+                                        <p:tgtEl>
+                                          <p:spTgt spid="9"/>
+                                        </p:tgtEl>
+                                        <p:attrNameLst>
+                                          <p:attrName>ppt_y</p:attrName>
+                                        </p:attrNameLst>
+                                      </p:cBhvr>
+                                      <p:tavLst>
+                                        <p:tav tm="0">
+                                          <p:val>
+                                            <p:strVal val="0-#ppt_h/2"/>
+                                          </p:val>
+                                        </p:tav>
+                                        <p:tav tm="100000">
+                                          <p:val>
+                                            <p:strVal val="#ppt_y"/>
+                                          </p:val>
+                                        </p:tav>
+                                      </p:tavLst>
+                                    </p:anim>
+                                  </p:childTnLst>
+                                </p:cTn>
+                              </p:par>
+                            </p:childTnLst>
+                          </p:cTn>
+                        </p:par>
+                      </p:childTnLst>
+                    </p:cTn>
+                  </p:par>
+                  <p:par>
+                    <p:cTn id="29" fill="hold">
+                      <p:stCondLst>
+                        <p:cond delay="indefinite"/>
+                      </p:stCondLst>
+                      <p:childTnLst>
+                        <p:par>
+                          <p:cTn id="30" fill="hold">
+                            <p:stCondLst>
+                              <p:cond delay="0"/>
+                            </p:stCondLst>
+                            <p:childTnLst>
+                              <p:par>
+                                <p:cTn id="31" presetID="1" presetClass="entr" presetSubtype="0" fill="hold" nodeType="clickEffect">
+                                  <p:stCondLst>
+                                    <p:cond delay="0"/>
+                                  </p:stCondLst>
+                                  <p:childTnLst>
+                                    <p:set>
+                                      <p:cBhvr>
+                                        <p:cTn id="32" dur="1" fill="hold">
                                           <p:stCondLst>
                                             <p:cond delay="0"/>
                                           </p:stCondLst>
@@ -5486,14 +5947,14 @@
                                 </p:cTn>
                               </p:par>
                               <p:par>
-                                <p:cTn id="27" presetID="1" presetClass="entr" presetSubtype="0" fill="hold" nodeType="withEffect">
+                                <p:cTn id="33" presetID="1" presetClass="entr" presetSubtype="0" fill="hold" nodeType="withEffect">
                                   <p:stCondLst>
                                     <p:cond delay="0"/>
                                   </p:stCondLst>
                                   <p:childTnLst>
                                     <p:set>
                                       <p:cBhvr>
-                                        <p:cTn id="28" dur="1" fill="hold">
+                                        <p:cTn id="34" dur="1" fill="hold">
                                           <p:stCondLst>
                                             <p:cond delay="0"/>
                                           </p:stCondLst>
@@ -5517,14 +5978,14 @@
                                 </p:cTn>
                               </p:par>
                               <p:par>
-                                <p:cTn id="29" presetID="1" presetClass="entr" presetSubtype="0" fill="hold" nodeType="withEffect">
+                                <p:cTn id="35" presetID="1" presetClass="entr" presetSubtype="0" fill="hold" nodeType="withEffect">
                                   <p:stCondLst>
                                     <p:cond delay="0"/>
                                   </p:stCondLst>
                                   <p:childTnLst>
                                     <p:set>
                                       <p:cBhvr>
-                                        <p:cTn id="30" dur="1" fill="hold">
+                                        <p:cTn id="36" dur="1" fill="hold">
                                           <p:stCondLst>
                                             <p:cond delay="0"/>
                                           </p:stCondLst>
@@ -5544,97 +6005,6 @@
                                         <p:strVal val="visible"/>
                                       </p:to>
                                     </p:set>
-                                  </p:childTnLst>
-                                </p:cTn>
-                              </p:par>
-                            </p:childTnLst>
-                          </p:cTn>
-                        </p:par>
-                      </p:childTnLst>
-                    </p:cTn>
-                  </p:par>
-                  <p:par>
-                    <p:cTn id="31" fill="hold">
-                      <p:stCondLst>
-                        <p:cond delay="indefinite"/>
-                      </p:stCondLst>
-                      <p:childTnLst>
-                        <p:par>
-                          <p:cTn id="32" fill="hold">
-                            <p:stCondLst>
-                              <p:cond delay="0"/>
-                            </p:stCondLst>
-                            <p:childTnLst>
-                              <p:par>
-                                <p:cTn id="33" presetID="2" presetClass="entr" presetSubtype="3" fill="hold" grpId="0" nodeType="clickEffect">
-                                  <p:stCondLst>
-                                    <p:cond delay="0"/>
-                                  </p:stCondLst>
-                                  <p:childTnLst>
-                                    <p:set>
-                                      <p:cBhvr>
-                                        <p:cTn id="34" dur="1" fill="hold">
-                                          <p:stCondLst>
-                                            <p:cond delay="0"/>
-                                          </p:stCondLst>
-                                        </p:cTn>
-                                        <p:tgtEl>
-                                          <p:spTgt spid="9"/>
-                                        </p:tgtEl>
-                                        <p:attrNameLst>
-                                          <p:attrName>style.visibility</p:attrName>
-                                        </p:attrNameLst>
-                                      </p:cBhvr>
-                                      <p:to>
-                                        <p:strVal val="visible"/>
-                                      </p:to>
-                                    </p:set>
-                                    <p:anim calcmode="lin" valueType="num">
-                                      <p:cBhvr additive="base">
-                                        <p:cTn id="35" dur="500" fill="hold"/>
-                                        <p:tgtEl>
-                                          <p:spTgt spid="9"/>
-                                        </p:tgtEl>
-                                        <p:attrNameLst>
-                                          <p:attrName>ppt_x</p:attrName>
-                                        </p:attrNameLst>
-                                      </p:cBhvr>
-                                      <p:tavLst>
-                                        <p:tav tm="0">
-                                          <p:val>
-                                            <p:strVal val="1+#ppt_w/2"/>
-                                          </p:val>
-                                        </p:tav>
-                                        <p:tav tm="100000">
-                                          <p:val>
-                                            <p:strVal val="#ppt_x"/>
-                                          </p:val>
-                                        </p:tav>
-                                      </p:tavLst>
-                                    </p:anim>
-                                    <p:anim calcmode="lin" valueType="num">
-                                      <p:cBhvr additive="base">
-                                        <p:cTn id="36" dur="500" fill="hold"/>
-                                        <p:tgtEl>
-                                          <p:spTgt spid="9"/>
-                                        </p:tgtEl>
-                                        <p:attrNameLst>
-                                          <p:attrName>ppt_y</p:attrName>
-                                        </p:attrNameLst>
-                                      </p:cBhvr>
-                                      <p:tavLst>
-                                        <p:tav tm="0">
-                                          <p:val>
-                                            <p:strVal val="0-#ppt_h/2"/>
-                                          </p:val>
-                                        </p:tav>
-                                        <p:tav tm="100000">
-                                          <p:val>
-                                            <p:strVal val="#ppt_y"/>
-                                          </p:val>
-                                        </p:tav>
-                                      </p:tavLst>
-                                    </p:anim>
                                   </p:childTnLst>
                                 </p:cTn>
                               </p:par>
